--- a/doc/동기화.pptx
+++ b/doc/동기화.pptx
@@ -20,6 +20,8 @@
     <p:sldId id="268" r:id="rId14"/>
     <p:sldId id="269" r:id="rId15"/>
     <p:sldId id="270" r:id="rId16"/>
+    <p:sldId id="271" r:id="rId17"/>
+    <p:sldId id="272" r:id="rId18"/>
   </p:sldIdLst>
   <p:sldSz cx="12192000" cy="6858000"/>
   <p:notesSz cx="6858000" cy="9144000"/>
@@ -4581,6 +4583,354 @@
 </p:sld>
 </file>
 
+<file path=ppt/slides/slide16.xml><?xml version="1.0" encoding="utf-8"?>
+<p:sld xmlns:a="http://schemas.openxmlformats.org/drawingml/2006/main" xmlns:r="http://schemas.openxmlformats.org/officeDocument/2006/relationships" xmlns:p="http://schemas.openxmlformats.org/presentationml/2006/main">
+  <p:cSld>
+    <p:spTree>
+      <p:nvGrpSpPr>
+        <p:cNvPr id="1" name=""/>
+        <p:cNvGrpSpPr/>
+        <p:nvPr/>
+      </p:nvGrpSpPr>
+      <p:grpSpPr>
+        <a:xfrm>
+          <a:off x="0" y="0"/>
+          <a:ext cx="0" cy="0"/>
+          <a:chOff x="0" y="0"/>
+          <a:chExt cx="0" cy="0"/>
+        </a:xfrm>
+      </p:grpSpPr>
+      <p:sp>
+        <p:nvSpPr>
+          <p:cNvPr id="2" name="제목 1">
+            <a:extLst>
+              <a:ext uri="{FF2B5EF4-FFF2-40B4-BE49-F238E27FC236}">
+                <a16:creationId xmlns:a16="http://schemas.microsoft.com/office/drawing/2014/main" id="{C23DB976-3262-F245-BA93-16444DBCEDC3}"/>
+              </a:ext>
+            </a:extLst>
+          </p:cNvPr>
+          <p:cNvSpPr>
+            <a:spLocks noGrp="1"/>
+          </p:cNvSpPr>
+          <p:nvPr>
+            <p:ph type="title"/>
+          </p:nvPr>
+        </p:nvSpPr>
+        <p:spPr/>
+        <p:txBody>
+          <a:bodyPr/>
+          <a:lstStyle/>
+          <a:p>
+            <a:r>
+              <a:rPr kumimoji="1" lang="ko-KR" altLang="en-US" dirty="0"/>
+              <a:t>커널 모드에서의 동기화</a:t>
+            </a:r>
+          </a:p>
+        </p:txBody>
+      </p:sp>
+      <p:sp>
+        <p:nvSpPr>
+          <p:cNvPr id="3" name="내용 개체 틀 2">
+            <a:extLst>
+              <a:ext uri="{FF2B5EF4-FFF2-40B4-BE49-F238E27FC236}">
+                <a16:creationId xmlns:a16="http://schemas.microsoft.com/office/drawing/2014/main" id="{67CF3CF8-5BEC-4B4B-B03D-0E2BC2E9BAAB}"/>
+              </a:ext>
+            </a:extLst>
+          </p:cNvPr>
+          <p:cNvSpPr>
+            <a:spLocks noGrp="1"/>
+          </p:cNvSpPr>
+          <p:nvPr>
+            <p:ph idx="1"/>
+          </p:nvPr>
+        </p:nvSpPr>
+        <p:spPr/>
+        <p:txBody>
+          <a:bodyPr>
+            <a:normAutofit lnSpcReduction="10000"/>
+          </a:bodyPr>
+          <a:lstStyle/>
+          <a:p>
+            <a:r>
+              <a:rPr kumimoji="1" lang="ko-KR" altLang="en-US" dirty="0"/>
+              <a:t>커널들</a:t>
+            </a:r>
+            <a:endParaRPr kumimoji="1" lang="en-US" altLang="ko-KR" dirty="0"/>
+          </a:p>
+          <a:p>
+            <a:pPr lvl="1"/>
+            <a:r>
+              <a:rPr kumimoji="1" lang="ko-KR" altLang="en-US" dirty="0"/>
+              <a:t>프로세스</a:t>
+            </a:r>
+            <a:endParaRPr kumimoji="1" lang="en-US" altLang="ko-KR" dirty="0"/>
+          </a:p>
+          <a:p>
+            <a:pPr lvl="1"/>
+            <a:r>
+              <a:rPr kumimoji="1" lang="ko-KR" altLang="en-US" dirty="0"/>
+              <a:t>쓰레드</a:t>
+            </a:r>
+            <a:endParaRPr kumimoji="1" lang="en-US" altLang="ko-KR" dirty="0"/>
+          </a:p>
+          <a:p>
+            <a:pPr lvl="1"/>
+            <a:r>
+              <a:rPr kumimoji="1" lang="ko-KR" altLang="en-US" dirty="0"/>
+              <a:t>이벤트</a:t>
+            </a:r>
+            <a:endParaRPr kumimoji="1" lang="en-US" altLang="ko-KR" dirty="0"/>
+          </a:p>
+          <a:p>
+            <a:pPr lvl="1"/>
+            <a:r>
+              <a:rPr kumimoji="1" lang="ko-KR" altLang="en-US" dirty="0"/>
+              <a:t>뮤텍스</a:t>
+            </a:r>
+            <a:endParaRPr kumimoji="1" lang="en-US" altLang="ko-KR" dirty="0"/>
+          </a:p>
+          <a:p>
+            <a:pPr lvl="1"/>
+            <a:r>
+              <a:rPr kumimoji="1" lang="ko-KR" altLang="en-US" dirty="0"/>
+              <a:t>세마포어</a:t>
+            </a:r>
+            <a:endParaRPr kumimoji="1" lang="en-US" altLang="ko-KR" dirty="0"/>
+          </a:p>
+          <a:p>
+            <a:r>
+              <a:rPr kumimoji="1" lang="ko-KR" altLang="en-US" dirty="0"/>
+              <a:t>신호 받음과 신호 못받음 상태를 핸들로 주는 것을 이용함</a:t>
+            </a:r>
+            <a:endParaRPr kumimoji="1" lang="en-US" altLang="ko-KR" dirty="0"/>
+          </a:p>
+          <a:p>
+            <a:pPr lvl="1"/>
+            <a:r>
+              <a:rPr kumimoji="1" lang="en-US" altLang="ko-KR" dirty="0" err="1"/>
+              <a:t>WaitForSingleObject</a:t>
+            </a:r>
+            <a:r>
+              <a:rPr kumimoji="1" lang="en-US" altLang="ko-KR" dirty="0"/>
+              <a:t> – </a:t>
+            </a:r>
+            <a:r>
+              <a:rPr kumimoji="1" lang="ko-KR" altLang="en-US" dirty="0"/>
+              <a:t>설정한 시간동안 한개의 객체가 신호받을때까지 쓰레드를 대기상태로</a:t>
+            </a:r>
+            <a:endParaRPr kumimoji="1" lang="en-US" altLang="ko-KR" dirty="0"/>
+          </a:p>
+          <a:p>
+            <a:pPr lvl="1"/>
+            <a:r>
+              <a:rPr kumimoji="1" lang="en-US" altLang="ko-KR" dirty="0" err="1"/>
+              <a:t>WaitForMultipleObjects</a:t>
+            </a:r>
+            <a:r>
+              <a:rPr kumimoji="1" lang="en-US" altLang="ko-KR" dirty="0"/>
+              <a:t> – </a:t>
+            </a:r>
+            <a:r>
+              <a:rPr kumimoji="1" lang="ko-KR" altLang="en-US" dirty="0"/>
+              <a:t>하나 이상이나 모두가 신호 받을때가지등등</a:t>
+            </a:r>
+            <a:r>
+              <a:rPr kumimoji="1" lang="en-US" altLang="ko-KR" dirty="0"/>
+              <a:t>…</a:t>
+            </a:r>
+          </a:p>
+          <a:p>
+            <a:endParaRPr kumimoji="1" lang="ko-KR" altLang="en-US" dirty="0"/>
+          </a:p>
+        </p:txBody>
+      </p:sp>
+    </p:spTree>
+    <p:extLst>
+      <p:ext uri="{BB962C8B-B14F-4D97-AF65-F5344CB8AC3E}">
+        <p14:creationId xmlns:p14="http://schemas.microsoft.com/office/powerpoint/2010/main" val="866830705"/>
+      </p:ext>
+    </p:extLst>
+  </p:cSld>
+  <p:clrMapOvr>
+    <a:masterClrMapping/>
+  </p:clrMapOvr>
+</p:sld>
+</file>
+
+<file path=ppt/slides/slide17.xml><?xml version="1.0" encoding="utf-8"?>
+<p:sld xmlns:a="http://schemas.openxmlformats.org/drawingml/2006/main" xmlns:r="http://schemas.openxmlformats.org/officeDocument/2006/relationships" xmlns:p="http://schemas.openxmlformats.org/presentationml/2006/main">
+  <p:cSld>
+    <p:spTree>
+      <p:nvGrpSpPr>
+        <p:cNvPr id="1" name=""/>
+        <p:cNvGrpSpPr/>
+        <p:nvPr/>
+      </p:nvGrpSpPr>
+      <p:grpSpPr>
+        <a:xfrm>
+          <a:off x="0" y="0"/>
+          <a:ext cx="0" cy="0"/>
+          <a:chOff x="0" y="0"/>
+          <a:chExt cx="0" cy="0"/>
+        </a:xfrm>
+      </p:grpSpPr>
+      <p:sp>
+        <p:nvSpPr>
+          <p:cNvPr id="2" name="제목 1">
+            <a:extLst>
+              <a:ext uri="{FF2B5EF4-FFF2-40B4-BE49-F238E27FC236}">
+                <a16:creationId xmlns:a16="http://schemas.microsoft.com/office/drawing/2014/main" id="{776208DE-3173-114E-9A96-D039509BA010}"/>
+              </a:ext>
+            </a:extLst>
+          </p:cNvPr>
+          <p:cNvSpPr>
+            <a:spLocks noGrp="1"/>
+          </p:cNvSpPr>
+          <p:nvPr>
+            <p:ph type="title"/>
+          </p:nvPr>
+        </p:nvSpPr>
+        <p:spPr/>
+        <p:txBody>
+          <a:bodyPr/>
+          <a:lstStyle/>
+          <a:p>
+            <a:r>
+              <a:rPr kumimoji="1" lang="ko-KR" altLang="en-US" dirty="0"/>
+              <a:t>이벤트</a:t>
+            </a:r>
+          </a:p>
+        </p:txBody>
+      </p:sp>
+      <p:sp>
+        <p:nvSpPr>
+          <p:cNvPr id="3" name="내용 개체 틀 2">
+            <a:extLst>
+              <a:ext uri="{FF2B5EF4-FFF2-40B4-BE49-F238E27FC236}">
+                <a16:creationId xmlns:a16="http://schemas.microsoft.com/office/drawing/2014/main" id="{0203D151-6062-4A42-942A-03624BDB3BA7}"/>
+              </a:ext>
+            </a:extLst>
+          </p:cNvPr>
+          <p:cNvSpPr>
+            <a:spLocks noGrp="1"/>
+          </p:cNvSpPr>
+          <p:nvPr>
+            <p:ph idx="1"/>
+          </p:nvPr>
+        </p:nvSpPr>
+        <p:spPr/>
+        <p:txBody>
+          <a:bodyPr>
+            <a:normAutofit lnSpcReduction="10000"/>
+          </a:bodyPr>
+          <a:lstStyle/>
+          <a:p>
+            <a:r>
+              <a:rPr kumimoji="1" lang="ko-KR" altLang="en-US" dirty="0"/>
+              <a:t>자주 사용하는 커널 객체</a:t>
+            </a:r>
+            <a:endParaRPr kumimoji="1" lang="en-US" altLang="ko-KR" dirty="0"/>
+          </a:p>
+          <a:p>
+            <a:r>
+              <a:rPr kumimoji="1" lang="ko-KR" altLang="en-US" dirty="0"/>
+              <a:t>두가지 모드가 존재</a:t>
+            </a:r>
+            <a:endParaRPr kumimoji="1" lang="en-US" altLang="ko-KR" dirty="0"/>
+          </a:p>
+          <a:p>
+            <a:pPr lvl="1"/>
+            <a:r>
+              <a:rPr kumimoji="1" lang="ko-KR" altLang="en-US" dirty="0"/>
+              <a:t>자동모드</a:t>
+            </a:r>
+            <a:endParaRPr kumimoji="1" lang="en-US" altLang="ko-KR" dirty="0"/>
+          </a:p>
+          <a:p>
+            <a:pPr lvl="1"/>
+            <a:r>
+              <a:rPr kumimoji="1" lang="ko-KR" altLang="en-US" dirty="0"/>
+              <a:t>수동모드</a:t>
+            </a:r>
+            <a:endParaRPr kumimoji="1" lang="en-US" altLang="ko-KR" dirty="0"/>
+          </a:p>
+          <a:p>
+            <a:r>
+              <a:rPr kumimoji="1" lang="ko-KR" altLang="en-US" dirty="0"/>
+              <a:t>자동모드</a:t>
+            </a:r>
+            <a:endParaRPr kumimoji="1" lang="en-US" altLang="ko-KR" dirty="0"/>
+          </a:p>
+          <a:p>
+            <a:pPr lvl="1"/>
+            <a:r>
+              <a:rPr kumimoji="1" lang="ko-KR" altLang="en-US" dirty="0"/>
+              <a:t>신호 받음 상태가 되면 자동으로 신호 못받음 상태로 바뀜</a:t>
+            </a:r>
+            <a:endParaRPr kumimoji="1" lang="en-US" altLang="ko-KR" dirty="0"/>
+          </a:p>
+          <a:p>
+            <a:pPr lvl="1"/>
+            <a:r>
+              <a:rPr kumimoji="1" lang="ko-KR" altLang="en-US" dirty="0"/>
+              <a:t>여러 쓰레드가 이벤트를 대기할때 </a:t>
+            </a:r>
+            <a:r>
+              <a:rPr kumimoji="1" lang="en-US" altLang="ko-KR" dirty="0"/>
+              <a:t>1</a:t>
+            </a:r>
+            <a:r>
+              <a:rPr kumimoji="1" lang="ko-KR" altLang="en-US" dirty="0"/>
+              <a:t>개만 실행이 됨</a:t>
+            </a:r>
+            <a:endParaRPr kumimoji="1" lang="en-US" altLang="ko-KR" dirty="0"/>
+          </a:p>
+          <a:p>
+            <a:pPr lvl="1"/>
+            <a:r>
+              <a:rPr kumimoji="1" lang="ko-KR" altLang="en-US"/>
+              <a:t>쓰레드의 우선순위는 알 수 없다</a:t>
+            </a:r>
+            <a:r>
+              <a:rPr kumimoji="1" lang="en-US" altLang="ko-KR"/>
+              <a:t>.</a:t>
+            </a:r>
+            <a:endParaRPr kumimoji="1" lang="en-US" altLang="ko-KR" dirty="0"/>
+          </a:p>
+          <a:p>
+            <a:r>
+              <a:rPr kumimoji="1" lang="ko-KR" altLang="en-US" dirty="0"/>
+              <a:t>수동모드</a:t>
+            </a:r>
+            <a:endParaRPr kumimoji="1" lang="en-US" altLang="ko-KR" dirty="0"/>
+          </a:p>
+          <a:p>
+            <a:pPr lvl="1"/>
+            <a:r>
+              <a:rPr kumimoji="1" lang="ko-KR" altLang="en-US" dirty="0"/>
+              <a:t>특정 함수 콜 하기 전까지 신호 못받음 상태로 바뀌지 않음</a:t>
+            </a:r>
+            <a:endParaRPr kumimoji="1" lang="en-US" altLang="ko-KR" dirty="0"/>
+          </a:p>
+          <a:p>
+            <a:pPr lvl="1"/>
+            <a:endParaRPr kumimoji="1" lang="en-US" altLang="ko-KR" dirty="0"/>
+          </a:p>
+        </p:txBody>
+      </p:sp>
+    </p:spTree>
+    <p:extLst>
+      <p:ext uri="{BB962C8B-B14F-4D97-AF65-F5344CB8AC3E}">
+        <p14:creationId xmlns:p14="http://schemas.microsoft.com/office/powerpoint/2010/main" val="426584728"/>
+      </p:ext>
+    </p:extLst>
+  </p:cSld>
+  <p:clrMapOvr>
+    <a:masterClrMapping/>
+  </p:clrMapOvr>
+</p:sld>
+</file>
+
 <file path=ppt/slides/slide2.xml><?xml version="1.0" encoding="utf-8"?>
 <p:sld xmlns:a="http://schemas.openxmlformats.org/drawingml/2006/main" xmlns:r="http://schemas.openxmlformats.org/officeDocument/2006/relationships" xmlns:p="http://schemas.openxmlformats.org/presentationml/2006/main">
   <p:cSld>
